--- a/docs/Newfields_OKeeffeShowcase_2019-10-01.pptx
+++ b/docs/Newfields_OKeeffeShowcase_2019-10-01.pptx
@@ -12,7 +12,7 @@
     <p:sldId id="298" r:id="rId3"/>
     <p:sldId id="386" r:id="rId4"/>
     <p:sldId id="391" r:id="rId5"/>
-    <p:sldId id="388" r:id="rId6"/>
+    <p:sldId id="394" r:id="rId6"/>
     <p:sldId id="389" r:id="rId7"/>
     <p:sldId id="390" r:id="rId8"/>
     <p:sldId id="392" r:id="rId9"/>
@@ -11701,7 +11701,7 @@
           <a:p>
             <a:fld id="{A2C7C30B-B121-4558-9B59-69A31B0B1E2B}" type="datetimeFigureOut">
               <a:rPr lang="en-US" smtClean="0"/>
-              <a:t>9/29/2019</a:t>
+              <a:t>9/30/2019</a:t>
             </a:fld>
             <a:endParaRPr lang="en-US"/>
           </a:p>
@@ -12676,7 +12676,7 @@
     </p:spTree>
     <p:extLst>
       <p:ext uri="{BB962C8B-B14F-4D97-AF65-F5344CB8AC3E}">
-        <p14:creationId xmlns:p14="http://schemas.microsoft.com/office/powerpoint/2010/main" val="3441470318"/>
+        <p14:creationId xmlns:p14="http://schemas.microsoft.com/office/powerpoint/2010/main" val="252970073"/>
       </p:ext>
     </p:extLst>
   </p:cSld>
@@ -16340,6 +16340,18 @@
   <p:clrMapOvr>
     <a:masterClrMapping/>
   </p:clrMapOvr>
+  <mc:AlternateContent xmlns:mc="http://schemas.openxmlformats.org/markup-compatibility/2006">
+    <mc:Choice xmlns:p14="http://schemas.microsoft.com/office/powerpoint/2010/main" Requires="p14">
+      <p:transition spd="med" p14:dur="700">
+        <p:fade/>
+      </p:transition>
+    </mc:Choice>
+    <mc:Fallback>
+      <p:transition spd="med">
+        <p:fade/>
+      </p:transition>
+    </mc:Fallback>
+  </mc:AlternateContent>
 </p:sld>
 </file>
 
@@ -16563,6 +16575,18 @@
   <p:clrMapOvr>
     <a:masterClrMapping/>
   </p:clrMapOvr>
+  <mc:AlternateContent xmlns:mc="http://schemas.openxmlformats.org/markup-compatibility/2006">
+    <mc:Choice xmlns:p14="http://schemas.microsoft.com/office/powerpoint/2010/main" Requires="p14">
+      <p:transition spd="med" p14:dur="700">
+        <p:fade/>
+      </p:transition>
+    </mc:Choice>
+    <mc:Fallback>
+      <p:transition spd="med">
+        <p:fade/>
+      </p:transition>
+    </mc:Fallback>
+  </mc:AlternateContent>
 </p:sld>
 </file>
 
@@ -16767,6 +16791,18 @@
   <p:clrMapOvr>
     <a:masterClrMapping/>
   </p:clrMapOvr>
+  <mc:AlternateContent xmlns:mc="http://schemas.openxmlformats.org/markup-compatibility/2006">
+    <mc:Choice xmlns:p14="http://schemas.microsoft.com/office/powerpoint/2010/main" Requires="p14">
+      <p:transition spd="med" p14:dur="700">
+        <p:fade/>
+      </p:transition>
+    </mc:Choice>
+    <mc:Fallback>
+      <p:transition spd="med">
+        <p:fade/>
+      </p:transition>
+    </mc:Fallback>
+  </mc:AlternateContent>
 </p:sld>
 </file>
 
@@ -16927,6 +16963,18 @@
   <p:clrMapOvr>
     <a:masterClrMapping/>
   </p:clrMapOvr>
+  <mc:AlternateContent xmlns:mc="http://schemas.openxmlformats.org/markup-compatibility/2006">
+    <mc:Choice xmlns:p14="http://schemas.microsoft.com/office/powerpoint/2010/main" Requires="p14">
+      <p:transition spd="med" p14:dur="700">
+        <p:fade/>
+      </p:transition>
+    </mc:Choice>
+    <mc:Fallback>
+      <p:transition spd="med">
+        <p:fade/>
+      </p:transition>
+    </mc:Fallback>
+  </mc:AlternateContent>
 </p:sld>
 </file>
 
@@ -17855,6 +17903,18 @@
   <p:clrMapOvr>
     <a:masterClrMapping/>
   </p:clrMapOvr>
+  <mc:AlternateContent xmlns:mc="http://schemas.openxmlformats.org/markup-compatibility/2006">
+    <mc:Choice xmlns:p14="http://schemas.microsoft.com/office/powerpoint/2010/main" Requires="p14">
+      <p:transition spd="med" p14:dur="700">
+        <p:fade/>
+      </p:transition>
+    </mc:Choice>
+    <mc:Fallback>
+      <p:transition spd="med">
+        <p:fade/>
+      </p:transition>
+    </mc:Fallback>
+  </mc:AlternateContent>
   <p:timing>
     <p:tnLst>
       <p:par>
@@ -18908,6 +18968,18 @@
   <p:clrMapOvr>
     <a:masterClrMapping/>
   </p:clrMapOvr>
+  <mc:AlternateContent xmlns:mc="http://schemas.openxmlformats.org/markup-compatibility/2006">
+    <mc:Choice xmlns:p14="http://schemas.microsoft.com/office/powerpoint/2010/main" Requires="p14">
+      <p:transition spd="med" p14:dur="700">
+        <p:fade/>
+      </p:transition>
+    </mc:Choice>
+    <mc:Fallback>
+      <p:transition spd="med">
+        <p:fade/>
+      </p:transition>
+    </mc:Fallback>
+  </mc:AlternateContent>
   <p:timing>
     <p:tnLst>
       <p:par>
@@ -19721,6 +19793,18 @@
   <p:clrMapOvr>
     <a:masterClrMapping/>
   </p:clrMapOvr>
+  <mc:AlternateContent xmlns:mc="http://schemas.openxmlformats.org/markup-compatibility/2006">
+    <mc:Choice xmlns:p14="http://schemas.microsoft.com/office/powerpoint/2010/main" Requires="p14">
+      <p:transition spd="med" p14:dur="700">
+        <p:fade/>
+      </p:transition>
+    </mc:Choice>
+    <mc:Fallback>
+      <p:transition spd="med">
+        <p:fade/>
+      </p:transition>
+    </mc:Fallback>
+  </mc:AlternateContent>
   <p:timing>
     <p:tnLst>
       <p:par>
@@ -20356,16 +20440,73 @@
           </a:p>
         </p:txBody>
       </p:sp>
+      <p:sp>
+        <p:nvSpPr>
+          <p:cNvPr id="3" name="Left Brace 2">
+            <a:extLst>
+              <a:ext uri="{FF2B5EF4-FFF2-40B4-BE49-F238E27FC236}">
+                <a16:creationId xmlns:a16="http://schemas.microsoft.com/office/drawing/2014/main" id="{8C5E46DD-C3DA-4172-98E2-E86A7135C8F4}"/>
+              </a:ext>
+            </a:extLst>
+          </p:cNvPr>
+          <p:cNvSpPr/>
+          <p:nvPr/>
+        </p:nvSpPr>
+        <p:spPr>
+          <a:xfrm rot="10800000">
+            <a:off x="6717262" y="1962150"/>
+            <a:ext cx="369338" cy="1752600"/>
+          </a:xfrm>
+          <a:prstGeom prst="leftBrace">
+            <a:avLst/>
+          </a:prstGeom>
+          <a:ln w="28575"/>
+        </p:spPr>
+        <p:style>
+          <a:lnRef idx="1">
+            <a:schemeClr val="accent1"/>
+          </a:lnRef>
+          <a:fillRef idx="0">
+            <a:schemeClr val="accent1"/>
+          </a:fillRef>
+          <a:effectRef idx="0">
+            <a:schemeClr val="accent1"/>
+          </a:effectRef>
+          <a:fontRef idx="minor">
+            <a:schemeClr val="tx1"/>
+          </a:fontRef>
+        </p:style>
+        <p:txBody>
+          <a:bodyPr rtlCol="0" anchor="ctr"/>
+          <a:lstStyle/>
+          <a:p>
+            <a:pPr algn="ctr"/>
+            <a:endParaRPr lang="en-US"/>
+          </a:p>
+        </p:txBody>
+      </p:sp>
     </p:spTree>
     <p:extLst>
       <p:ext uri="{BB962C8B-B14F-4D97-AF65-F5344CB8AC3E}">
-        <p14:creationId xmlns:p14="http://schemas.microsoft.com/office/powerpoint/2010/main" val="2855294821"/>
+        <p14:creationId xmlns:p14="http://schemas.microsoft.com/office/powerpoint/2010/main" val="486295704"/>
       </p:ext>
     </p:extLst>
   </p:cSld>
   <p:clrMapOvr>
     <a:masterClrMapping/>
   </p:clrMapOvr>
+  <mc:AlternateContent xmlns:mc="http://schemas.openxmlformats.org/markup-compatibility/2006">
+    <mc:Choice xmlns:p14="http://schemas.microsoft.com/office/powerpoint/2010/main" Requires="p14">
+      <p:transition spd="med" p14:dur="700">
+        <p:fade/>
+      </p:transition>
+    </mc:Choice>
+    <mc:Fallback>
+      <p:transition spd="med">
+        <p:fade/>
+      </p:transition>
+    </mc:Fallback>
+  </mc:AlternateContent>
   <p:timing>
     <p:tnLst>
       <p:par>
@@ -20535,6 +20676,41 @@
                                   </p:childTnLst>
                                 </p:cTn>
                               </p:par>
+                              <p:par>
+                                <p:cTn id="18" presetID="10" presetClass="entr" presetSubtype="0" fill="hold" grpId="0" nodeType="withEffect">
+                                  <p:stCondLst>
+                                    <p:cond delay="0"/>
+                                  </p:stCondLst>
+                                  <p:childTnLst>
+                                    <p:set>
+                                      <p:cBhvr>
+                                        <p:cTn id="19" dur="1" fill="hold">
+                                          <p:stCondLst>
+                                            <p:cond delay="0"/>
+                                          </p:stCondLst>
+                                        </p:cTn>
+                                        <p:tgtEl>
+                                          <p:spTgt spid="3"/>
+                                        </p:tgtEl>
+                                        <p:attrNameLst>
+                                          <p:attrName>style.visibility</p:attrName>
+                                        </p:attrNameLst>
+                                      </p:cBhvr>
+                                      <p:to>
+                                        <p:strVal val="visible"/>
+                                      </p:to>
+                                    </p:set>
+                                    <p:animEffect transition="in" filter="fade">
+                                      <p:cBhvr>
+                                        <p:cTn id="20" dur="500"/>
+                                        <p:tgtEl>
+                                          <p:spTgt spid="3"/>
+                                        </p:tgtEl>
+                                      </p:cBhvr>
+                                    </p:animEffect>
+                                  </p:childTnLst>
+                                </p:cTn>
+                              </p:par>
                             </p:childTnLst>
                           </p:cTn>
                         </p:par>
@@ -20566,6 +20742,7 @@
       <p:bldP spid="6" grpId="0" animBg="1"/>
       <p:bldP spid="7" grpId="0"/>
       <p:bldP spid="11" grpId="0" animBg="1"/>
+      <p:bldP spid="3" grpId="0" animBg="1"/>
     </p:bldLst>
   </p:timing>
 </p:sld>
@@ -21244,6 +21421,18 @@
   <p:clrMapOvr>
     <a:masterClrMapping/>
   </p:clrMapOvr>
+  <mc:AlternateContent xmlns:mc="http://schemas.openxmlformats.org/markup-compatibility/2006">
+    <mc:Choice xmlns:p14="http://schemas.microsoft.com/office/powerpoint/2010/main" Requires="p14">
+      <p:transition spd="med" p14:dur="700">
+        <p:fade/>
+      </p:transition>
+    </mc:Choice>
+    <mc:Fallback>
+      <p:transition spd="med">
+        <p:fade/>
+      </p:transition>
+    </mc:Fallback>
+  </mc:AlternateContent>
   <p:timing>
     <p:tnLst>
       <p:par>
@@ -22165,6 +22354,18 @@
   <p:clrMapOvr>
     <a:masterClrMapping/>
   </p:clrMapOvr>
+  <mc:AlternateContent xmlns:mc="http://schemas.openxmlformats.org/markup-compatibility/2006">
+    <mc:Choice xmlns:p14="http://schemas.microsoft.com/office/powerpoint/2010/main" Requires="p14">
+      <p:transition spd="med" p14:dur="700">
+        <p:fade/>
+      </p:transition>
+    </mc:Choice>
+    <mc:Fallback>
+      <p:transition spd="med">
+        <p:fade/>
+      </p:transition>
+    </mc:Fallback>
+  </mc:AlternateContent>
   <p:timing>
     <p:tnLst>
       <p:par>
@@ -22740,7 +22941,7 @@
             </a:br>
             <a:r>
               <a:rPr lang="en-US" sz="1000" dirty="0"/>
-              <a:t>        "_label": "1917",</a:t>
+              <a:t>        "_label": "1927",</a:t>
             </a:r>
             <a:br>
               <a:rPr lang="en-US" sz="1000" dirty="0"/>
@@ -23468,7 +23669,7 @@
             </a:br>
             <a:r>
               <a:rPr lang="en-US" sz="1000" dirty="0"/>
-              <a:t>        "_label": "1917",</a:t>
+              <a:t>        "_label": "1927",</a:t>
             </a:r>
             <a:br>
               <a:rPr lang="en-US" sz="1000" dirty="0"/>
@@ -23521,6 +23722,18 @@
   <p:clrMapOvr>
     <a:masterClrMapping/>
   </p:clrMapOvr>
+  <mc:AlternateContent xmlns:mc="http://schemas.openxmlformats.org/markup-compatibility/2006">
+    <mc:Choice xmlns:p14="http://schemas.microsoft.com/office/powerpoint/2010/main" Requires="p14">
+      <p:transition spd="med" p14:dur="700">
+        <p:fade/>
+      </p:transition>
+    </mc:Choice>
+    <mc:Fallback>
+      <p:transition spd="med">
+        <p:fade/>
+      </p:transition>
+    </mc:Fallback>
+  </mc:AlternateContent>
 </p:sld>
 </file>
 

--- a/docs/Newfields_OKeeffeShowcase_2019-10-01.pptx
+++ b/docs/Newfields_OKeeffeShowcase_2019-10-01.pptx
@@ -16340,13 +16340,13 @@
   <p:clrMapOvr>
     <a:masterClrMapping/>
   </p:clrMapOvr>
-  <mc:AlternateContent xmlns:mc="http://schemas.openxmlformats.org/markup-compatibility/2006">
-    <mc:Choice xmlns:p14="http://schemas.microsoft.com/office/powerpoint/2010/main" Requires="p14">
+  <mc:AlternateContent xmlns:mc="http://schemas.openxmlformats.org/markup-compatibility/2006" xmlns:p14="http://schemas.microsoft.com/office/powerpoint/2010/main">
+    <mc:Choice Requires="p14">
       <p:transition spd="med" p14:dur="700">
         <p:fade/>
       </p:transition>
     </mc:Choice>
-    <mc:Fallback>
+    <mc:Fallback xmlns="">
       <p:transition spd="med">
         <p:fade/>
       </p:transition>
@@ -16575,13 +16575,13 @@
   <p:clrMapOvr>
     <a:masterClrMapping/>
   </p:clrMapOvr>
-  <mc:AlternateContent xmlns:mc="http://schemas.openxmlformats.org/markup-compatibility/2006">
-    <mc:Choice xmlns:p14="http://schemas.microsoft.com/office/powerpoint/2010/main" Requires="p14">
+  <mc:AlternateContent xmlns:mc="http://schemas.openxmlformats.org/markup-compatibility/2006" xmlns:p14="http://schemas.microsoft.com/office/powerpoint/2010/main">
+    <mc:Choice Requires="p14">
       <p:transition spd="med" p14:dur="700">
         <p:fade/>
       </p:transition>
     </mc:Choice>
-    <mc:Fallback>
+    <mc:Fallback xmlns="">
       <p:transition spd="med">
         <p:fade/>
       </p:transition>
@@ -16791,13 +16791,13 @@
   <p:clrMapOvr>
     <a:masterClrMapping/>
   </p:clrMapOvr>
-  <mc:AlternateContent xmlns:mc="http://schemas.openxmlformats.org/markup-compatibility/2006">
-    <mc:Choice xmlns:p14="http://schemas.microsoft.com/office/powerpoint/2010/main" Requires="p14">
+  <mc:AlternateContent xmlns:mc="http://schemas.openxmlformats.org/markup-compatibility/2006" xmlns:p14="http://schemas.microsoft.com/office/powerpoint/2010/main">
+    <mc:Choice Requires="p14">
       <p:transition spd="med" p14:dur="700">
         <p:fade/>
       </p:transition>
     </mc:Choice>
-    <mc:Fallback>
+    <mc:Fallback xmlns="">
       <p:transition spd="med">
         <p:fade/>
       </p:transition>
@@ -16963,13 +16963,13 @@
   <p:clrMapOvr>
     <a:masterClrMapping/>
   </p:clrMapOvr>
-  <mc:AlternateContent xmlns:mc="http://schemas.openxmlformats.org/markup-compatibility/2006">
-    <mc:Choice xmlns:p14="http://schemas.microsoft.com/office/powerpoint/2010/main" Requires="p14">
+  <mc:AlternateContent xmlns:mc="http://schemas.openxmlformats.org/markup-compatibility/2006" xmlns:p14="http://schemas.microsoft.com/office/powerpoint/2010/main">
+    <mc:Choice Requires="p14">
       <p:transition spd="med" p14:dur="700">
         <p:fade/>
       </p:transition>
     </mc:Choice>
-    <mc:Fallback>
+    <mc:Fallback xmlns="">
       <p:transition spd="med">
         <p:fade/>
       </p:transition>
@@ -17903,13 +17903,13 @@
   <p:clrMapOvr>
     <a:masterClrMapping/>
   </p:clrMapOvr>
-  <mc:AlternateContent xmlns:mc="http://schemas.openxmlformats.org/markup-compatibility/2006">
-    <mc:Choice xmlns:p14="http://schemas.microsoft.com/office/powerpoint/2010/main" Requires="p14">
+  <mc:AlternateContent xmlns:mc="http://schemas.openxmlformats.org/markup-compatibility/2006" xmlns:p14="http://schemas.microsoft.com/office/powerpoint/2010/main">
+    <mc:Choice Requires="p14">
       <p:transition spd="med" p14:dur="700">
         <p:fade/>
       </p:transition>
     </mc:Choice>
-    <mc:Fallback>
+    <mc:Fallback xmlns="">
       <p:transition spd="med">
         <p:fade/>
       </p:transition>
@@ -18968,13 +18968,13 @@
   <p:clrMapOvr>
     <a:masterClrMapping/>
   </p:clrMapOvr>
-  <mc:AlternateContent xmlns:mc="http://schemas.openxmlformats.org/markup-compatibility/2006">
-    <mc:Choice xmlns:p14="http://schemas.microsoft.com/office/powerpoint/2010/main" Requires="p14">
+  <mc:AlternateContent xmlns:mc="http://schemas.openxmlformats.org/markup-compatibility/2006" xmlns:p14="http://schemas.microsoft.com/office/powerpoint/2010/main">
+    <mc:Choice Requires="p14">
       <p:transition spd="med" p14:dur="700">
         <p:fade/>
       </p:transition>
     </mc:Choice>
-    <mc:Fallback>
+    <mc:Fallback xmlns="">
       <p:transition spd="med">
         <p:fade/>
       </p:transition>
@@ -19793,13 +19793,13 @@
   <p:clrMapOvr>
     <a:masterClrMapping/>
   </p:clrMapOvr>
-  <mc:AlternateContent xmlns:mc="http://schemas.openxmlformats.org/markup-compatibility/2006">
-    <mc:Choice xmlns:p14="http://schemas.microsoft.com/office/powerpoint/2010/main" Requires="p14">
+  <mc:AlternateContent xmlns:mc="http://schemas.openxmlformats.org/markup-compatibility/2006" xmlns:p14="http://schemas.microsoft.com/office/powerpoint/2010/main">
+    <mc:Choice Requires="p14">
       <p:transition spd="med" p14:dur="700">
         <p:fade/>
       </p:transition>
     </mc:Choice>
-    <mc:Fallback>
+    <mc:Fallback xmlns="">
       <p:transition spd="med">
         <p:fade/>
       </p:transition>
@@ -20495,13 +20495,13 @@
   <p:clrMapOvr>
     <a:masterClrMapping/>
   </p:clrMapOvr>
-  <mc:AlternateContent xmlns:mc="http://schemas.openxmlformats.org/markup-compatibility/2006">
-    <mc:Choice xmlns:p14="http://schemas.microsoft.com/office/powerpoint/2010/main" Requires="p14">
+  <mc:AlternateContent xmlns:mc="http://schemas.openxmlformats.org/markup-compatibility/2006" xmlns:p14="http://schemas.microsoft.com/office/powerpoint/2010/main">
+    <mc:Choice Requires="p14">
       <p:transition spd="med" p14:dur="700">
         <p:fade/>
       </p:transition>
     </mc:Choice>
-    <mc:Fallback>
+    <mc:Fallback xmlns="">
       <p:transition spd="med">
         <p:fade/>
       </p:transition>
@@ -21421,13 +21421,13 @@
   <p:clrMapOvr>
     <a:masterClrMapping/>
   </p:clrMapOvr>
-  <mc:AlternateContent xmlns:mc="http://schemas.openxmlformats.org/markup-compatibility/2006">
-    <mc:Choice xmlns:p14="http://schemas.microsoft.com/office/powerpoint/2010/main" Requires="p14">
+  <mc:AlternateContent xmlns:mc="http://schemas.openxmlformats.org/markup-compatibility/2006" xmlns:p14="http://schemas.microsoft.com/office/powerpoint/2010/main">
+    <mc:Choice Requires="p14">
       <p:transition spd="med" p14:dur="700">
         <p:fade/>
       </p:transition>
     </mc:Choice>
-    <mc:Fallback>
+    <mc:Fallback xmlns="">
       <p:transition spd="med">
         <p:fade/>
       </p:transition>
@@ -22354,13 +22354,13 @@
   <p:clrMapOvr>
     <a:masterClrMapping/>
   </p:clrMapOvr>
-  <mc:AlternateContent xmlns:mc="http://schemas.openxmlformats.org/markup-compatibility/2006">
-    <mc:Choice xmlns:p14="http://schemas.microsoft.com/office/powerpoint/2010/main" Requires="p14">
+  <mc:AlternateContent xmlns:mc="http://schemas.openxmlformats.org/markup-compatibility/2006" xmlns:p14="http://schemas.microsoft.com/office/powerpoint/2010/main">
+    <mc:Choice Requires="p14">
       <p:transition spd="med" p14:dur="700">
         <p:fade/>
       </p:transition>
     </mc:Choice>
-    <mc:Fallback>
+    <mc:Fallback xmlns="">
       <p:transition spd="med">
         <p:fade/>
       </p:transition>
@@ -23136,13 +23136,13 @@
   <p:clrMapOvr>
     <a:masterClrMapping/>
   </p:clrMapOvr>
-  <mc:AlternateContent xmlns:mc="http://schemas.openxmlformats.org/markup-compatibility/2006">
-    <mc:Choice xmlns:p14="http://schemas.microsoft.com/office/powerpoint/2010/main" Requires="p14">
+  <mc:AlternateContent xmlns:mc="http://schemas.openxmlformats.org/markup-compatibility/2006" xmlns:p14="http://schemas.microsoft.com/office/powerpoint/2010/main">
+    <mc:Choice Requires="p14">
       <p:transition spd="med" p14:dur="700">
         <p:fade/>
       </p:transition>
     </mc:Choice>
-    <mc:Fallback>
+    <mc:Fallback xmlns="">
       <p:transition spd="med">
         <p:fade/>
       </p:transition>
@@ -23722,13 +23722,13 @@
   <p:clrMapOvr>
     <a:masterClrMapping/>
   </p:clrMapOvr>
-  <mc:AlternateContent xmlns:mc="http://schemas.openxmlformats.org/markup-compatibility/2006">
-    <mc:Choice xmlns:p14="http://schemas.microsoft.com/office/powerpoint/2010/main" Requires="p14">
+  <mc:AlternateContent xmlns:mc="http://schemas.openxmlformats.org/markup-compatibility/2006" xmlns:p14="http://schemas.microsoft.com/office/powerpoint/2010/main">
+    <mc:Choice Requires="p14">
       <p:transition spd="med" p14:dur="700">
         <p:fade/>
       </p:transition>
     </mc:Choice>
-    <mc:Fallback>
+    <mc:Fallback xmlns="">
       <p:transition spd="med">
         <p:fade/>
       </p:transition>
